--- a/ppt/PresentedFinal.ppt.pptx
+++ b/ppt/PresentedFinal.ppt.pptx
@@ -5,7 +5,7 @@
     <p:sldMasterId id="2147483648" r:id="rId1"/>
   </p:sldMasterIdLst>
   <p:notesMasterIdLst>
-    <p:notesMasterId r:id="rId25"/>
+    <p:notesMasterId r:id="rId24"/>
   </p:notesMasterIdLst>
   <p:sldIdLst>
     <p:sldId id="258" r:id="rId2"/>
@@ -30,7 +30,6 @@
     <p:sldId id="275" r:id="rId21"/>
     <p:sldId id="276" r:id="rId22"/>
     <p:sldId id="277" r:id="rId23"/>
-    <p:sldId id="257" r:id="rId24"/>
   </p:sldIdLst>
   <p:sldSz cx="9144000" cy="6858000" type="screen4x3"/>
   <p:notesSz cx="6858000" cy="9144000"/>
@@ -253,7 +252,7 @@
               <a:pPr>
                 <a:defRPr/>
               </a:pPr>
-              <a:t>5/19/2016</a:t>
+              <a:t>5/26/2016</a:t>
             </a:fld>
             <a:endParaRPr lang="en-US"/>
           </a:p>
@@ -7699,10 +7698,6 @@
               </a:rPr>
               <a:t>Thank You for Your Attention</a:t>
             </a:r>
-            <a:endParaRPr lang="en-US" sz="7200" dirty="0" smtClean="0">
-              <a:latin typeface="TH SarabunPSK" pitchFamily="34" charset="-34"/>
-              <a:cs typeface="TH SarabunPSK" pitchFamily="34" charset="-34"/>
-            </a:endParaRPr>
           </a:p>
         </p:txBody>
       </p:sp>
@@ -7714,8 +7709,8 @@
         </p:nvSpPr>
         <p:spPr>
           <a:xfrm>
-            <a:off x="1691680" y="4293096"/>
-            <a:ext cx="4606191" cy="923330"/>
+            <a:off x="1979712" y="3656199"/>
+            <a:ext cx="4606191" cy="1862048"/>
           </a:xfrm>
           <a:prstGeom prst="rect">
             <a:avLst/>
@@ -7746,7 +7741,7 @@
           <a:p>
             <a:pPr algn="ctr"/>
             <a:r>
-              <a:rPr lang="en-US" sz="5400" b="1" cap="all" spc="0" dirty="0" smtClean="0">
+              <a:rPr lang="en-US" sz="11500" b="1" cap="all" spc="0" dirty="0" smtClean="0">
                 <a:ln w="0"/>
                 <a:gradFill flip="none">
                   <a:gsLst>
@@ -7791,7 +7786,7 @@
               </a:rPr>
               <a:t>Q&amp;A</a:t>
             </a:r>
-            <a:endParaRPr lang="th-TH" sz="5400" b="1" cap="all" spc="0" dirty="0">
+            <a:endParaRPr lang="th-TH" sz="11500" b="1" cap="all" spc="0" dirty="0">
               <a:ln w="0"/>
               <a:gradFill flip="none">
                 <a:gsLst>
@@ -7852,92 +7847,6 @@
 </p:sld>
 </file>
 
-<file path=ppt/slides/slide23.xml><?xml version="1.0" encoding="utf-8"?>
-<p:sld xmlns:a="http://schemas.openxmlformats.org/drawingml/2006/main" xmlns:r="http://schemas.openxmlformats.org/officeDocument/2006/relationships" xmlns:p="http://schemas.openxmlformats.org/presentationml/2006/main">
-  <p:cSld>
-    <p:spTree>
-      <p:nvGrpSpPr>
-        <p:cNvPr id="1" name=""/>
-        <p:cNvGrpSpPr/>
-        <p:nvPr/>
-      </p:nvGrpSpPr>
-      <p:grpSpPr>
-        <a:xfrm>
-          <a:off x="0" y="0"/>
-          <a:ext cx="0" cy="0"/>
-          <a:chOff x="0" y="0"/>
-          <a:chExt cx="0" cy="0"/>
-        </a:xfrm>
-      </p:grpSpPr>
-      <p:sp>
-        <p:nvSpPr>
-          <p:cNvPr id="24578" name="Rectangle 2"/>
-          <p:cNvSpPr>
-            <a:spLocks noGrp="1" noChangeArrowheads="1"/>
-          </p:cNvSpPr>
-          <p:nvPr>
-            <p:ph type="title"/>
-          </p:nvPr>
-        </p:nvSpPr>
-        <p:spPr>
-          <a:xfrm>
-            <a:off x="395288" y="647700"/>
-            <a:ext cx="8229600" cy="981075"/>
-          </a:xfrm>
-        </p:spPr>
-        <p:txBody>
-          <a:bodyPr/>
-          <a:lstStyle/>
-          <a:p>
-            <a:pPr eaLnBrk="1" hangingPunct="1"/>
-            <a:endParaRPr lang="en-US" smtClean="0">
-              <a:solidFill>
-                <a:schemeClr val="tx1"/>
-              </a:solidFill>
-            </a:endParaRPr>
-          </a:p>
-        </p:txBody>
-      </p:sp>
-      <p:sp>
-        <p:nvSpPr>
-          <p:cNvPr id="24579" name="Rectangle 3"/>
-          <p:cNvSpPr>
-            <a:spLocks noGrp="1" noChangeArrowheads="1"/>
-          </p:cNvSpPr>
-          <p:nvPr>
-            <p:ph type="body" idx="1"/>
-          </p:nvPr>
-        </p:nvSpPr>
-        <p:spPr>
-          <a:xfrm>
-            <a:off x="468313" y="2071688"/>
-            <a:ext cx="8229600" cy="4525962"/>
-          </a:xfrm>
-        </p:spPr>
-        <p:txBody>
-          <a:bodyPr/>
-          <a:lstStyle/>
-          <a:p>
-            <a:pPr eaLnBrk="1" hangingPunct="1"/>
-            <a:endParaRPr lang="en-US" smtClean="0"/>
-          </a:p>
-        </p:txBody>
-      </p:sp>
-    </p:spTree>
-  </p:cSld>
-  <p:clrMapOvr>
-    <a:masterClrMapping/>
-  </p:clrMapOvr>
-  <p:timing>
-    <p:tnLst>
-      <p:par>
-        <p:cTn id="1" dur="indefinite" restart="never" nodeType="tmRoot"/>
-      </p:par>
-    </p:tnLst>
-  </p:timing>
-</p:sld>
-</file>
-
 <file path=ppt/slides/slide3.xml><?xml version="1.0" encoding="utf-8"?>
 <p:sld xmlns:a="http://schemas.openxmlformats.org/drawingml/2006/main" xmlns:r="http://schemas.openxmlformats.org/officeDocument/2006/relationships" xmlns:p="http://schemas.openxmlformats.org/presentationml/2006/main">
   <p:cSld>
@@ -8036,21 +7945,7 @@
                 <a:latin typeface="TH SarabunPSK" pitchFamily="34" charset="-34"/>
                 <a:cs typeface="TH SarabunPSK" pitchFamily="34" charset="-34"/>
               </a:rPr>
-              <a:t>การเรียนรู้ของเด็กวัย 6–9 ปี พัฒนาการของเด็กวัยนี้จะเป็นวัยแห่งการเตรียมพร้อมทั้งด้านร่างกาย อารมณ์ สังคมและสติปัญญา </a:t>
-            </a:r>
-            <a:r>
-              <a:rPr lang="th-TH" sz="2600" dirty="0" smtClean="0">
-                <a:latin typeface="TH SarabunPSK" pitchFamily="34" charset="-34"/>
-                <a:cs typeface="TH SarabunPSK" pitchFamily="34" charset="-34"/>
-              </a:rPr>
-              <a:t>นอกจาก</a:t>
-            </a:r>
-            <a:r>
-              <a:rPr lang="th-TH" sz="2600" dirty="0" smtClean="0">
-                <a:latin typeface="TH SarabunPSK" pitchFamily="34" charset="-34"/>
-                <a:cs typeface="TH SarabunPSK" pitchFamily="34" charset="-34"/>
-              </a:rPr>
-              <a:t>สื่อการเรียนที่อยู่ในบทเรียนแล้ว เกมยังเป็นสื่ออีกตัวหนึ่งที่ช่วยส่งเสริมความคิดให้กับเด็ก ผู้จัดทำจึงมีแนวคิดที่จะสร้างเกมผจญภัยสัตว์ป่า ซึ่งเกมจะเป็นตัวช่วยสำคัญในการเรียนรู้ด้วยตัวเอง โดยลักษณะและเนื้อหาภายในเกม จะเกี่ยวกับการแยกแยะสัตว์ป่าแต่ล่ะประเภทที่แบ่งตามเกณฑ์การกินอาหาร ซึ่งผู้เล่นต้องอาศัย การสังเกต ไหวพริบการตัดสินใจ และความจำ เพื่อจะผ่านอุปสรรคในด่านต่างๆ ไปได้ </a:t>
+              <a:t>การเรียนรู้ของเด็กวัย 6–9 ปี พัฒนาการของเด็กวัยนี้จะเป็นวัยแห่งการเตรียมพร้อมทั้งด้านร่างกาย อารมณ์ สังคมและสติปัญญา นอกจากสื่อการเรียนที่อยู่ในบทเรียนแล้ว เกมยังเป็นสื่ออีกตัวหนึ่งที่ช่วยส่งเสริมความคิดให้กับเด็ก ผู้จัดทำจึงมีแนวคิดที่จะสร้างเกมผจญภัยสัตว์ป่า ซึ่งเกมจะเป็นตัวช่วยสำคัญในการเรียนรู้ด้วยตัวเอง โดยลักษณะและเนื้อหาภายในเกม จะเกี่ยวกับการแยกแยะสัตว์ป่าแต่ล่ะประเภทที่แบ่งตามเกณฑ์การกินอาหาร ซึ่งผู้เล่นต้องอาศัย การสังเกต ไหวพริบการตัดสินใจ และความจำ เพื่อจะผ่านอุปสรรคในด่านต่างๆ ไปได้ </a:t>
             </a:r>
             <a:endParaRPr lang="en-US" sz="2600" dirty="0" smtClean="0">
               <a:latin typeface="TH SarabunPSK" pitchFamily="34" charset="-34"/>
@@ -8421,21 +8316,7 @@
                 <a:latin typeface="TH SarabunPSK" pitchFamily="34" charset="-34"/>
                 <a:cs typeface="TH SarabunPSK" pitchFamily="34" charset="-34"/>
               </a:rPr>
-              <a:t>บุษกร โยธานัก (2558) </a:t>
-            </a:r>
-            <a:r>
-              <a:rPr lang="th-TH" dirty="0" smtClean="0">
-                <a:latin typeface="TH SarabunPSK" pitchFamily="34" charset="-34"/>
-                <a:cs typeface="TH SarabunPSK" pitchFamily="34" charset="-34"/>
-              </a:rPr>
-              <a:t> </a:t>
-            </a:r>
-            <a:r>
-              <a:rPr lang="th-TH" dirty="0" smtClean="0">
-                <a:latin typeface="TH SarabunPSK" pitchFamily="34" charset="-34"/>
-                <a:cs typeface="TH SarabunPSK" pitchFamily="34" charset="-34"/>
-              </a:rPr>
-              <a:t>ได้พัฒนาแหล่งจัดการองค์ความรู้ออนไลน์ เรื่อง พัฒนาการของเด็กวัยเรียน 6 – 12 ปี</a:t>
+              <a:t>บุษกร โยธานัก (2558)  ได้พัฒนาแหล่งจัดการองค์ความรู้ออนไลน์ เรื่อง พัฒนาการของเด็กวัยเรียน 6 – 12 ปี</a:t>
             </a:r>
             <a:endParaRPr lang="en-US" dirty="0" smtClean="0">
               <a:latin typeface="TH SarabunPSK" pitchFamily="34" charset="-34"/>
@@ -8494,21 +8375,7 @@
                 <a:latin typeface="TH SarabunPSK" pitchFamily="34" charset="-34"/>
                 <a:cs typeface="TH SarabunPSK" pitchFamily="34" charset="-34"/>
               </a:rPr>
-              <a:t>  พรมสิงห์ (2557) </a:t>
-            </a:r>
-            <a:r>
-              <a:rPr lang="th-TH" dirty="0" smtClean="0">
-                <a:latin typeface="TH SarabunPSK" pitchFamily="34" charset="-34"/>
-                <a:cs typeface="TH SarabunPSK" pitchFamily="34" charset="-34"/>
-              </a:rPr>
-              <a:t> </a:t>
-            </a:r>
-            <a:r>
-              <a:rPr lang="th-TH" dirty="0" smtClean="0">
-                <a:latin typeface="TH SarabunPSK" pitchFamily="34" charset="-34"/>
-                <a:cs typeface="TH SarabunPSK" pitchFamily="34" charset="-34"/>
-              </a:rPr>
-              <a:t>ได้พัฒนาเกมเจ้าแห่งไหวพริบบนระบบปฏิบัติการแอน</a:t>
+              <a:t>  พรมสิงห์ (2557)  ได้พัฒนาเกมเจ้าแห่งไหวพริบบนระบบปฏิบัติการแอน</a:t>
             </a:r>
             <a:r>
               <a:rPr lang="th-TH" dirty="0" err="1" smtClean="0">
@@ -8546,21 +8413,7 @@
                 <a:latin typeface="TH SarabunPSK" pitchFamily="34" charset="-34"/>
                 <a:cs typeface="TH SarabunPSK" pitchFamily="34" charset="-34"/>
               </a:rPr>
-              <a:t> </a:t>
-            </a:r>
-            <a:r>
-              <a:rPr lang="th-TH" dirty="0" smtClean="0">
-                <a:latin typeface="TH SarabunPSK" pitchFamily="34" charset="-34"/>
-                <a:cs typeface="TH SarabunPSK" pitchFamily="34" charset="-34"/>
-              </a:rPr>
-              <a:t>(2556)  ได้</a:t>
-            </a:r>
-            <a:r>
-              <a:rPr lang="th-TH" dirty="0" smtClean="0">
-                <a:latin typeface="TH SarabunPSK" pitchFamily="34" charset="-34"/>
-                <a:cs typeface="TH SarabunPSK" pitchFamily="34" charset="-34"/>
-              </a:rPr>
-              <a:t>ทำการพัฒนาเกมการเรียนรู้และพัฒนาทักษะสมองสำหรับเด็กเพื่อกระตุ้นการเรียนรู้ของเด็ก </a:t>
+              <a:t> (2556)  ได้ทำการพัฒนาเกมการเรียนรู้และพัฒนาทักษะสมองสำหรับเด็กเพื่อกระตุ้นการเรียนรู้ของเด็ก </a:t>
             </a:r>
             <a:endParaRPr lang="en-US" dirty="0" smtClean="0">
               <a:latin typeface="TH SarabunPSK" pitchFamily="34" charset="-34"/>
